--- a/PPT/第1章 概述.pptx
+++ b/PPT/第1章 概述.pptx
@@ -264,7 +264,7 @@
           <a:p>
             <a:fld id="{80DA1F2E-2FC6-4C8F-A86E-F4D2904B9E16}" type="datetimeFigureOut">
               <a:rPr lang="zh-CN" altLang="en-US" smtClean="0"/>
-              <a:t>2025/9/30</a:t>
+              <a:t>2025/10/1</a:t>
             </a:fld>
             <a:endParaRPr lang="zh-CN" altLang="en-US"/>
           </a:p>
@@ -430,7 +430,7 @@
             <a:fld id="{839B75F8-F665-47F5-9F1B-1750F29F1993}" type="datetimeFigureOut">
               <a:rPr lang="zh-CN" altLang="en-US" smtClean="0"/>
               <a:pPr/>
-              <a:t>2025/9/30</a:t>
+              <a:t>2025/10/1</a:t>
             </a:fld>
             <a:endParaRPr lang="zh-CN" altLang="en-US"/>
           </a:p>
@@ -1084,7 +1084,7 @@
           <a:p>
             <a:fld id="{E0303ED4-6D35-4936-8F1D-2BFA02A5954C}" type="datetime1">
               <a:rPr lang="zh-CN" altLang="en-US" smtClean="0"/>
-              <a:t>2025/9/30</a:t>
+              <a:t>2025/10/1</a:t>
             </a:fld>
             <a:endParaRPr lang="zh-CN" altLang="en-US"/>
           </a:p>
@@ -2069,241 +2069,6 @@
           <a:p>
             <a:pPr algn="ctr"/>
             <a:endParaRPr lang="zh-CN" altLang="en-US" dirty="0">
-              <a:latin typeface="Times New Roman" panose="02020603050405020304" pitchFamily="18" charset="0"/>
-              <a:ea typeface="微软雅黑" panose="020B0503020204020204" pitchFamily="34" charset="-122"/>
-              <a:sym typeface="Times New Roman" panose="02020603050405020304" pitchFamily="18" charset="0"/>
-            </a:endParaRPr>
-          </a:p>
-        </p:txBody>
-      </p:sp>
-      <p:sp>
-        <p:nvSpPr>
-          <p:cNvPr id="12" name="文本框 412679"/>
-          <p:cNvSpPr txBox="1">
-            <a:spLocks noChangeArrowheads="1"/>
-          </p:cNvSpPr>
-          <p:nvPr/>
-        </p:nvSpPr>
-        <p:spPr bwMode="auto">
-          <a:xfrm>
-            <a:off x="2105025" y="3435846"/>
-            <a:ext cx="4933950" cy="1098634"/>
-          </a:xfrm>
-          <a:prstGeom prst="rect">
-            <a:avLst/>
-          </a:prstGeom>
-          <a:noFill/>
-          <a:ln>
-            <a:noFill/>
-          </a:ln>
-          <a:extLst>
-            <a:ext uri="{909E8E84-426E-40DD-AFC4-6F175D3DCCD1}">
-              <a14:hiddenFill xmlns:a14="http://schemas.microsoft.com/office/drawing/2010/main">
-                <a:solidFill>
-                  <a:srgbClr val="FFFFFF"/>
-                </a:solidFill>
-              </a14:hiddenFill>
-            </a:ext>
-            <a:ext uri="{91240B29-F687-4F45-9708-019B960494DF}">
-              <a14:hiddenLine xmlns:a14="http://schemas.microsoft.com/office/drawing/2010/main" w="9525">
-                <a:solidFill>
-                  <a:srgbClr val="000000"/>
-                </a:solidFill>
-                <a:miter lim="800000"/>
-                <a:headEnd/>
-                <a:tailEnd/>
-              </a14:hiddenLine>
-            </a:ext>
-          </a:extLst>
-        </p:spPr>
-        <p:txBody>
-          <a:bodyPr>
-            <a:spAutoFit/>
-          </a:bodyPr>
-          <a:lstStyle>
-            <a:lvl1pPr>
-              <a:buFont typeface="Arial" panose="020B0604020202020204" pitchFamily="34" charset="0"/>
-              <a:defRPr>
-                <a:solidFill>
-                  <a:schemeClr val="tx1"/>
-                </a:solidFill>
-                <a:latin typeface="Arial" panose="020B0604020202020204" pitchFamily="34" charset="0"/>
-                <a:ea typeface="宋体" panose="02010600030101010101" pitchFamily="2" charset="-122"/>
-              </a:defRPr>
-            </a:lvl1pPr>
-            <a:lvl2pPr marL="742950" indent="-285750">
-              <a:buFont typeface="Arial" panose="020B0604020202020204" pitchFamily="34" charset="0"/>
-              <a:defRPr>
-                <a:solidFill>
-                  <a:schemeClr val="tx1"/>
-                </a:solidFill>
-                <a:latin typeface="Arial" panose="020B0604020202020204" pitchFamily="34" charset="0"/>
-                <a:ea typeface="宋体" panose="02010600030101010101" pitchFamily="2" charset="-122"/>
-              </a:defRPr>
-            </a:lvl2pPr>
-            <a:lvl3pPr marL="1143000" indent="-228600">
-              <a:buFont typeface="Arial" panose="020B0604020202020204" pitchFamily="34" charset="0"/>
-              <a:defRPr>
-                <a:solidFill>
-                  <a:schemeClr val="tx1"/>
-                </a:solidFill>
-                <a:latin typeface="Arial" panose="020B0604020202020204" pitchFamily="34" charset="0"/>
-                <a:ea typeface="宋体" panose="02010600030101010101" pitchFamily="2" charset="-122"/>
-              </a:defRPr>
-            </a:lvl3pPr>
-            <a:lvl4pPr marL="1600200" indent="-228600">
-              <a:buFont typeface="Arial" panose="020B0604020202020204" pitchFamily="34" charset="0"/>
-              <a:defRPr>
-                <a:solidFill>
-                  <a:schemeClr val="tx1"/>
-                </a:solidFill>
-                <a:latin typeface="Arial" panose="020B0604020202020204" pitchFamily="34" charset="0"/>
-                <a:ea typeface="宋体" panose="02010600030101010101" pitchFamily="2" charset="-122"/>
-              </a:defRPr>
-            </a:lvl4pPr>
-            <a:lvl5pPr marL="2057400" indent="-228600">
-              <a:buFont typeface="Arial" panose="020B0604020202020204" pitchFamily="34" charset="0"/>
-              <a:defRPr>
-                <a:solidFill>
-                  <a:schemeClr val="tx1"/>
-                </a:solidFill>
-                <a:latin typeface="Arial" panose="020B0604020202020204" pitchFamily="34" charset="0"/>
-                <a:ea typeface="宋体" panose="02010600030101010101" pitchFamily="2" charset="-122"/>
-              </a:defRPr>
-            </a:lvl5pPr>
-            <a:lvl6pPr marL="2514600" indent="-228600" eaLnBrk="0" fontAlgn="base" hangingPunct="0">
-              <a:spcBef>
-                <a:spcPct val="0"/>
-              </a:spcBef>
-              <a:spcAft>
-                <a:spcPct val="0"/>
-              </a:spcAft>
-              <a:buFont typeface="Arial" panose="020B0604020202020204" pitchFamily="34" charset="0"/>
-              <a:defRPr>
-                <a:solidFill>
-                  <a:schemeClr val="tx1"/>
-                </a:solidFill>
-                <a:latin typeface="Arial" panose="020B0604020202020204" pitchFamily="34" charset="0"/>
-                <a:ea typeface="宋体" panose="02010600030101010101" pitchFamily="2" charset="-122"/>
-              </a:defRPr>
-            </a:lvl6pPr>
-            <a:lvl7pPr marL="2971800" indent="-228600" eaLnBrk="0" fontAlgn="base" hangingPunct="0">
-              <a:spcBef>
-                <a:spcPct val="0"/>
-              </a:spcBef>
-              <a:spcAft>
-                <a:spcPct val="0"/>
-              </a:spcAft>
-              <a:buFont typeface="Arial" panose="020B0604020202020204" pitchFamily="34" charset="0"/>
-              <a:defRPr>
-                <a:solidFill>
-                  <a:schemeClr val="tx1"/>
-                </a:solidFill>
-                <a:latin typeface="Arial" panose="020B0604020202020204" pitchFamily="34" charset="0"/>
-                <a:ea typeface="宋体" panose="02010600030101010101" pitchFamily="2" charset="-122"/>
-              </a:defRPr>
-            </a:lvl7pPr>
-            <a:lvl8pPr marL="3429000" indent="-228600" eaLnBrk="0" fontAlgn="base" hangingPunct="0">
-              <a:spcBef>
-                <a:spcPct val="0"/>
-              </a:spcBef>
-              <a:spcAft>
-                <a:spcPct val="0"/>
-              </a:spcAft>
-              <a:buFont typeface="Arial" panose="020B0604020202020204" pitchFamily="34" charset="0"/>
-              <a:defRPr>
-                <a:solidFill>
-                  <a:schemeClr val="tx1"/>
-                </a:solidFill>
-                <a:latin typeface="Arial" panose="020B0604020202020204" pitchFamily="34" charset="0"/>
-                <a:ea typeface="宋体" panose="02010600030101010101" pitchFamily="2" charset="-122"/>
-              </a:defRPr>
-            </a:lvl8pPr>
-            <a:lvl9pPr marL="3886200" indent="-228600" eaLnBrk="0" fontAlgn="base" hangingPunct="0">
-              <a:spcBef>
-                <a:spcPct val="0"/>
-              </a:spcBef>
-              <a:spcAft>
-                <a:spcPct val="0"/>
-              </a:spcAft>
-              <a:buFont typeface="Arial" panose="020B0604020202020204" pitchFamily="34" charset="0"/>
-              <a:defRPr>
-                <a:solidFill>
-                  <a:schemeClr val="tx1"/>
-                </a:solidFill>
-                <a:latin typeface="Arial" panose="020B0604020202020204" pitchFamily="34" charset="0"/>
-                <a:ea typeface="宋体" panose="02010600030101010101" pitchFamily="2" charset="-122"/>
-              </a:defRPr>
-            </a:lvl9pPr>
-          </a:lstStyle>
-          <a:p>
-            <a:pPr algn="ctr" eaLnBrk="1" hangingPunct="1">
-              <a:lnSpc>
-                <a:spcPct val="125000"/>
-              </a:lnSpc>
-              <a:defRPr/>
-            </a:pPr>
-            <a:r>
-              <a:rPr kumimoji="1" lang="zh-CN" altLang="en-US" b="1" dirty="0">
-                <a:solidFill>
-                  <a:srgbClr val="685DAB"/>
-                </a:solidFill>
-                <a:latin typeface="Times New Roman" panose="02020603050405020304" pitchFamily="18" charset="0"/>
-                <a:ea typeface="微软雅黑" panose="020B0503020204020204" pitchFamily="34" charset="-122"/>
-                <a:sym typeface="Times New Roman" panose="02020603050405020304" pitchFamily="18" charset="0"/>
-              </a:rPr>
-              <a:t>刘守兵</a:t>
-            </a:r>
-            <a:endParaRPr kumimoji="1" lang="en-US" altLang="zh-CN" b="1" dirty="0">
-              <a:solidFill>
-                <a:srgbClr val="685DAB"/>
-              </a:solidFill>
-              <a:latin typeface="Times New Roman" panose="02020603050405020304" pitchFamily="18" charset="0"/>
-              <a:ea typeface="微软雅黑" panose="020B0503020204020204" pitchFamily="34" charset="-122"/>
-              <a:sym typeface="Times New Roman" panose="02020603050405020304" pitchFamily="18" charset="0"/>
-            </a:endParaRPr>
-          </a:p>
-          <a:p>
-            <a:pPr algn="ctr" eaLnBrk="1" hangingPunct="1">
-              <a:lnSpc>
-                <a:spcPct val="125000"/>
-              </a:lnSpc>
-              <a:defRPr/>
-            </a:pPr>
-            <a:r>
-              <a:rPr kumimoji="1" lang="en-US" altLang="zh-CN" b="1" dirty="0">
-                <a:solidFill>
-                  <a:srgbClr val="685DAB"/>
-                </a:solidFill>
-                <a:latin typeface="Times New Roman" panose="02020603050405020304" pitchFamily="18" charset="0"/>
-                <a:ea typeface="微软雅黑" panose="020B0503020204020204" pitchFamily="34" charset="-122"/>
-                <a:sym typeface="Times New Roman" panose="02020603050405020304" pitchFamily="18" charset="0"/>
-              </a:rPr>
-              <a:t>17538701371</a:t>
-            </a:r>
-          </a:p>
-          <a:p>
-            <a:pPr algn="ctr" eaLnBrk="1" hangingPunct="1">
-              <a:lnSpc>
-                <a:spcPct val="125000"/>
-              </a:lnSpc>
-              <a:defRPr/>
-            </a:pPr>
-            <a:r>
-              <a:rPr kumimoji="1" lang="en-US" altLang="zh-CN" b="1" dirty="0">
-                <a:solidFill>
-                  <a:srgbClr val="685DAB"/>
-                </a:solidFill>
-                <a:latin typeface="Times New Roman" panose="02020603050405020304" pitchFamily="18" charset="0"/>
-                <a:ea typeface="微软雅黑" panose="020B0503020204020204" pitchFamily="34" charset="-122"/>
-                <a:sym typeface="Times New Roman" panose="02020603050405020304" pitchFamily="18" charset="0"/>
-              </a:rPr>
-              <a:t>liushoubing@haue.edu.cn</a:t>
-            </a:r>
-            <a:endParaRPr kumimoji="1" lang="zh-CN" altLang="en-US" b="1" dirty="0">
-              <a:solidFill>
-                <a:srgbClr val="685DAB"/>
-              </a:solidFill>
               <a:latin typeface="Times New Roman" panose="02020603050405020304" pitchFamily="18" charset="0"/>
               <a:ea typeface="微软雅黑" panose="020B0503020204020204" pitchFamily="34" charset="-122"/>
               <a:sym typeface="Times New Roman" panose="02020603050405020304" pitchFamily="18" charset="0"/>
